--- a/Transporter.pptx
+++ b/Transporter.pptx
@@ -5,7 +5,7 @@
     <p:sldMasterId id="2147483684" r:id="rId1"/>
   </p:sldMasterIdLst>
   <p:notesMasterIdLst>
-    <p:notesMasterId r:id="rId9"/>
+    <p:notesMasterId r:id="rId10"/>
   </p:notesMasterIdLst>
   <p:sldIdLst>
     <p:sldId id="256" r:id="rId2"/>
@@ -13,8 +13,9 @@
     <p:sldId id="258" r:id="rId4"/>
     <p:sldId id="259" r:id="rId5"/>
     <p:sldId id="268" r:id="rId6"/>
-    <p:sldId id="270" r:id="rId7"/>
-    <p:sldId id="269" r:id="rId8"/>
+    <p:sldId id="271" r:id="rId7"/>
+    <p:sldId id="270" r:id="rId8"/>
+    <p:sldId id="269" r:id="rId9"/>
   </p:sldIdLst>
   <p:sldSz cx="9144000" cy="6858000" type="screen4x3"/>
   <p:notesSz cx="6858000" cy="9144000"/>
@@ -890,7 +891,7 @@
             </a:pPr>
             <a:r>
               <a:rPr lang="de-CH" dirty="0" smtClean="0"/>
-              <a:t>Apache2 Webserver</a:t>
+              <a:t>Apache2 als Webserver</a:t>
             </a:r>
             <a:endParaRPr lang="de-CH" dirty="0" smtClean="0"/>
           </a:p>
@@ -964,7 +965,15 @@
             </a:r>
             <a:r>
               <a:rPr lang="de-CH" dirty="0" smtClean="0"/>
-              <a:t> ist ein objektrelationales Datenbankmanagementsystem </a:t>
+              <a:t> ist ein objektrelationales Datenbankmanagementsystem und ist der Standard Datenbank beim </a:t>
+            </a:r>
+            <a:r>
+              <a:rPr lang="de-CH" dirty="0" err="1" smtClean="0"/>
+              <a:t>FileSender</a:t>
+            </a:r>
+            <a:r>
+              <a:rPr lang="de-CH" dirty="0" smtClean="0"/>
+              <a:t> </a:t>
             </a:r>
             <a:endParaRPr lang="de-CH" dirty="0" smtClean="0"/>
           </a:p>
@@ -6413,13 +6422,13 @@
           </a:p>
           <a:p>
             <a:r>
-              <a:rPr lang="de-CH" dirty="0" err="1"/>
+              <a:rPr lang="de-CH" dirty="0" err="1" smtClean="0"/>
               <a:t>PostgreSQL</a:t>
             </a:r>
-            <a:endParaRPr lang="de-CH" dirty="0"/>
-          </a:p>
-          <a:p>
-            <a:endParaRPr lang="de-CH" dirty="0"/>
+            <a:endParaRPr lang="de-CH" dirty="0" smtClean="0"/>
+          </a:p>
+          <a:p>
+            <a:endParaRPr lang="de-CH" dirty="0" smtClean="0"/>
           </a:p>
           <a:p>
             <a:r>
@@ -6457,7 +6466,7 @@
           <a:p>
             <a:r>
               <a:rPr lang="de-CH" dirty="0" smtClean="0"/>
-              <a:t>Installation der Pakete</a:t>
+              <a:t>Installation</a:t>
             </a:r>
             <a:endParaRPr lang="de-CH" dirty="0"/>
           </a:p>
@@ -6502,12 +6511,12 @@
       </p:grpSpPr>
       <p:sp>
         <p:nvSpPr>
-          <p:cNvPr id="2" name="Inhaltsplatzhalter 1"/>
-          <p:cNvSpPr>
-            <a:spLocks noGrp="1"/>
-          </p:cNvSpPr>
-          <p:nvPr>
-            <p:ph idx="1"/>
+          <p:cNvPr id="3" name="Titel 2"/>
+          <p:cNvSpPr>
+            <a:spLocks noGrp="1"/>
+          </p:cNvSpPr>
+          <p:nvPr>
+            <p:ph type="title"/>
           </p:nvPr>
         </p:nvSpPr>
         <p:spPr/>
@@ -6516,6 +6525,212 @@
           <a:lstStyle/>
           <a:p>
             <a:endParaRPr lang="de-CH"/>
+          </a:p>
+        </p:txBody>
+      </p:sp>
+      <p:pic>
+        <p:nvPicPr>
+          <p:cNvPr id="4" name="Grafik 3"/>
+          <p:cNvPicPr>
+            <a:picLocks noChangeAspect="1"/>
+          </p:cNvPicPr>
+          <p:nvPr/>
+        </p:nvPicPr>
+        <p:blipFill>
+          <a:blip r:embed="rId2" cstate="print">
+            <a:extLst>
+              <a:ext uri="{28A0092B-C50C-407E-A947-70E740481C1C}">
+                <a14:useLocalDpi xmlns:a14="http://schemas.microsoft.com/office/drawing/2010/main" val="0"/>
+              </a:ext>
+            </a:extLst>
+          </a:blip>
+          <a:stretch>
+            <a:fillRect/>
+          </a:stretch>
+        </p:blipFill>
+        <p:spPr>
+          <a:xfrm>
+            <a:off x="611560" y="2010060"/>
+            <a:ext cx="1691816" cy="1268862"/>
+          </a:xfrm>
+          <a:prstGeom prst="rect">
+            <a:avLst/>
+          </a:prstGeom>
+        </p:spPr>
+      </p:pic>
+      <p:pic>
+        <p:nvPicPr>
+          <p:cNvPr id="5" name="Grafik 4"/>
+          <p:cNvPicPr>
+            <a:picLocks noChangeAspect="1"/>
+          </p:cNvPicPr>
+          <p:nvPr/>
+        </p:nvPicPr>
+        <p:blipFill>
+          <a:blip r:embed="rId3" cstate="print">
+            <a:extLst>
+              <a:ext uri="{28A0092B-C50C-407E-A947-70E740481C1C}">
+                <a14:useLocalDpi xmlns:a14="http://schemas.microsoft.com/office/drawing/2010/main" val="0"/>
+              </a:ext>
+            </a:extLst>
+          </a:blip>
+          <a:stretch>
+            <a:fillRect/>
+          </a:stretch>
+        </p:blipFill>
+        <p:spPr>
+          <a:xfrm>
+            <a:off x="3551149" y="2346521"/>
+            <a:ext cx="1133383" cy="595940"/>
+          </a:xfrm>
+          <a:prstGeom prst="rect">
+            <a:avLst/>
+          </a:prstGeom>
+        </p:spPr>
+      </p:pic>
+      <p:pic>
+        <p:nvPicPr>
+          <p:cNvPr id="6" name="Grafik 5"/>
+          <p:cNvPicPr>
+            <a:picLocks noChangeAspect="1"/>
+          </p:cNvPicPr>
+          <p:nvPr/>
+        </p:nvPicPr>
+        <p:blipFill>
+          <a:blip r:embed="rId4">
+            <a:extLst>
+              <a:ext uri="{28A0092B-C50C-407E-A947-70E740481C1C}">
+                <a14:useLocalDpi xmlns:a14="http://schemas.microsoft.com/office/drawing/2010/main" val="0"/>
+              </a:ext>
+            </a:extLst>
+          </a:blip>
+          <a:stretch>
+            <a:fillRect/>
+          </a:stretch>
+        </p:blipFill>
+        <p:spPr>
+          <a:xfrm>
+            <a:off x="5868144" y="2384884"/>
+            <a:ext cx="2281941" cy="648072"/>
+          </a:xfrm>
+          <a:prstGeom prst="rect">
+            <a:avLst/>
+          </a:prstGeom>
+        </p:spPr>
+      </p:pic>
+      <p:pic>
+        <p:nvPicPr>
+          <p:cNvPr id="7" name="Grafik 6"/>
+          <p:cNvPicPr>
+            <a:picLocks noChangeAspect="1"/>
+          </p:cNvPicPr>
+          <p:nvPr/>
+        </p:nvPicPr>
+        <p:blipFill>
+          <a:blip r:embed="rId5">
+            <a:extLst>
+              <a:ext uri="{28A0092B-C50C-407E-A947-70E740481C1C}">
+                <a14:useLocalDpi xmlns:a14="http://schemas.microsoft.com/office/drawing/2010/main" val="0"/>
+              </a:ext>
+            </a:extLst>
+          </a:blip>
+          <a:stretch>
+            <a:fillRect/>
+          </a:stretch>
+        </p:blipFill>
+        <p:spPr>
+          <a:xfrm>
+            <a:off x="1528678" y="4023053"/>
+            <a:ext cx="2046122" cy="876909"/>
+          </a:xfrm>
+          <a:prstGeom prst="rect">
+            <a:avLst/>
+          </a:prstGeom>
+        </p:spPr>
+      </p:pic>
+      <p:pic>
+        <p:nvPicPr>
+          <p:cNvPr id="8" name="Grafik 7"/>
+          <p:cNvPicPr>
+            <a:picLocks noChangeAspect="1"/>
+          </p:cNvPicPr>
+          <p:nvPr/>
+        </p:nvPicPr>
+        <p:blipFill>
+          <a:blip r:embed="rId6">
+            <a:extLst>
+              <a:ext uri="{28A0092B-C50C-407E-A947-70E740481C1C}">
+                <a14:useLocalDpi xmlns:a14="http://schemas.microsoft.com/office/drawing/2010/main" val="0"/>
+              </a:ext>
+            </a:extLst>
+          </a:blip>
+          <a:stretch>
+            <a:fillRect/>
+          </a:stretch>
+        </p:blipFill>
+        <p:spPr>
+          <a:xfrm>
+            <a:off x="4684532" y="4023053"/>
+            <a:ext cx="3067478" cy="714475"/>
+          </a:xfrm>
+          <a:prstGeom prst="rect">
+            <a:avLst/>
+          </a:prstGeom>
+        </p:spPr>
+      </p:pic>
+    </p:spTree>
+    <p:extLst>
+      <p:ext uri="{BB962C8B-B14F-4D97-AF65-F5344CB8AC3E}">
+        <p14:creationId xmlns:p14="http://schemas.microsoft.com/office/powerpoint/2010/main" val="103117613"/>
+      </p:ext>
+    </p:extLst>
+  </p:cSld>
+  <p:clrMapOvr>
+    <a:masterClrMapping/>
+  </p:clrMapOvr>
+  <p:timing>
+    <p:tnLst>
+      <p:par>
+        <p:cTn id="1" dur="indefinite" restart="never" nodeType="tmRoot"/>
+      </p:par>
+    </p:tnLst>
+  </p:timing>
+</p:sld>
+</file>
+
+<file path=ppt/slides/slide7.xml><?xml version="1.0" encoding="utf-8"?>
+<p:sld xmlns:a="http://schemas.openxmlformats.org/drawingml/2006/main" xmlns:r="http://schemas.openxmlformats.org/officeDocument/2006/relationships" xmlns:p="http://schemas.openxmlformats.org/presentationml/2006/main">
+  <p:cSld>
+    <p:spTree>
+      <p:nvGrpSpPr>
+        <p:cNvPr id="1" name=""/>
+        <p:cNvGrpSpPr/>
+        <p:nvPr/>
+      </p:nvGrpSpPr>
+      <p:grpSpPr>
+        <a:xfrm>
+          <a:off x="0" y="0"/>
+          <a:ext cx="0" cy="0"/>
+          <a:chOff x="0" y="0"/>
+          <a:chExt cx="0" cy="0"/>
+        </a:xfrm>
+      </p:grpSpPr>
+      <p:sp>
+        <p:nvSpPr>
+          <p:cNvPr id="2" name="Inhaltsplatzhalter 1"/>
+          <p:cNvSpPr>
+            <a:spLocks noGrp="1"/>
+          </p:cNvSpPr>
+          <p:nvPr>
+            <p:ph idx="1"/>
+          </p:nvPr>
+        </p:nvSpPr>
+        <p:spPr/>
+        <p:txBody>
+          <a:bodyPr/>
+          <a:lstStyle/>
+          <a:p>
+            <a:endParaRPr lang="de-CH" dirty="0"/>
           </a:p>
         </p:txBody>
       </p:sp>
@@ -6562,7 +6777,7 @@
 </p:sld>
 </file>
 
-<file path=ppt/slides/slide7.xml><?xml version="1.0" encoding="utf-8"?>
+<file path=ppt/slides/slide8.xml><?xml version="1.0" encoding="utf-8"?>
 <p:sld xmlns:a="http://schemas.openxmlformats.org/drawingml/2006/main" xmlns:r="http://schemas.openxmlformats.org/officeDocument/2006/relationships" xmlns:p="http://schemas.openxmlformats.org/presentationml/2006/main">
   <p:cSld>
     <p:spTree>

--- a/Transporter.pptx
+++ b/Transporter.pptx
@@ -12,8 +12,8 @@
     <p:sldId id="257" r:id="rId3"/>
     <p:sldId id="258" r:id="rId4"/>
     <p:sldId id="259" r:id="rId5"/>
-    <p:sldId id="268" r:id="rId6"/>
-    <p:sldId id="271" r:id="rId7"/>
+    <p:sldId id="271" r:id="rId6"/>
+    <p:sldId id="268" r:id="rId7"/>
     <p:sldId id="270" r:id="rId8"/>
     <p:sldId id="269" r:id="rId9"/>
   </p:sldIdLst>
@@ -891,55 +891,12 @@
             </a:pPr>
             <a:r>
               <a:rPr lang="de-CH" dirty="0" smtClean="0"/>
-              <a:t>Apache2 als Webserver</a:t>
-            </a:r>
-            <a:endParaRPr lang="de-CH" dirty="0" smtClean="0"/>
-          </a:p>
-          <a:p>
-            <a:r>
-              <a:rPr lang="de-CH" dirty="0" smtClean="0"/>
-              <a:t>[libapache2-mod-php5]</a:t>
-            </a:r>
-          </a:p>
-          <a:p>
-            <a:endParaRPr lang="de-CH" dirty="0" smtClean="0"/>
-          </a:p>
-          <a:p>
-            <a:r>
-              <a:rPr lang="de-CH" dirty="0" smtClean="0"/>
-              <a:t>PHP5 ist eine Skriptsprache (C &amp; Perl angelehnte</a:t>
-            </a:r>
-            <a:r>
-              <a:rPr lang="de-CH" baseline="0" dirty="0" smtClean="0"/>
-              <a:t> Syntax) zum erstellen von dynamischen Webseiten oder Webanwendungen wie </a:t>
-            </a:r>
-            <a:r>
-              <a:rPr lang="de-CH" baseline="0" dirty="0" err="1" smtClean="0"/>
-              <a:t>FileSender</a:t>
-            </a:r>
-            <a:endParaRPr lang="de-CH" dirty="0" smtClean="0"/>
-          </a:p>
-          <a:p>
-            <a:r>
-              <a:rPr lang="de-CH" dirty="0" smtClean="0"/>
-              <a:t>[</a:t>
-            </a:r>
-            <a:r>
-              <a:rPr lang="de-CH" sz="1200" kern="1200" dirty="0" smtClean="0">
-                <a:solidFill>
-                  <a:schemeClr val="tx1"/>
-                </a:solidFill>
-                <a:effectLst/>
-                <a:latin typeface="+mn-lt"/>
-                <a:ea typeface="+mn-ea"/>
-                <a:cs typeface="+mn-cs"/>
-              </a:rPr>
-              <a:t>php5-ldap, php5-pgsql]</a:t>
-            </a:r>
-            <a:endParaRPr lang="de-CH" dirty="0" smtClean="0"/>
-          </a:p>
-          <a:p>
-            <a:endParaRPr lang="de-CH" dirty="0" smtClean="0"/>
+              <a:t>Debian Linux wird als </a:t>
+            </a:r>
+            <a:r>
+              <a:rPr lang="de-CH" smtClean="0"/>
+              <a:t>OS genutzt</a:t>
+            </a:r>
           </a:p>
           <a:p>
             <a:pPr marL="0" marR="0" indent="0" algn="l" defTabSz="914400" rtl="0" eaLnBrk="1" fontAlgn="auto" latinLnBrk="0" hangingPunct="1">
@@ -959,6 +916,102 @@
               <a:tabLst/>
               <a:defRPr/>
             </a:pPr>
+            <a:endParaRPr lang="de-CH" dirty="0" smtClean="0"/>
+          </a:p>
+          <a:p>
+            <a:pPr marL="0" marR="0" indent="0" algn="l" defTabSz="914400" rtl="0" eaLnBrk="1" fontAlgn="auto" latinLnBrk="0" hangingPunct="1">
+              <a:lnSpc>
+                <a:spcPct val="100000"/>
+              </a:lnSpc>
+              <a:spcBef>
+                <a:spcPts val="0"/>
+              </a:spcBef>
+              <a:spcAft>
+                <a:spcPts val="0"/>
+              </a:spcAft>
+              <a:buClrTx/>
+              <a:buSzTx/>
+              <a:buFontTx/>
+              <a:buNone/>
+              <a:tabLst/>
+              <a:defRPr/>
+            </a:pPr>
+            <a:r>
+              <a:rPr lang="de-CH" dirty="0" smtClean="0"/>
+              <a:t>Apache2 als Webserver,</a:t>
+            </a:r>
+            <a:r>
+              <a:rPr lang="de-CH" baseline="0" dirty="0" smtClean="0"/>
+              <a:t> denn wir verwenden ihn auf fast allen anderen </a:t>
+            </a:r>
+            <a:r>
+              <a:rPr lang="de-CH" baseline="0" dirty="0" err="1" smtClean="0"/>
+              <a:t>Webhosts</a:t>
+            </a:r>
+            <a:endParaRPr lang="de-CH" dirty="0" smtClean="0"/>
+          </a:p>
+          <a:p>
+            <a:endParaRPr lang="de-CH" dirty="0" smtClean="0"/>
+          </a:p>
+          <a:p>
+            <a:r>
+              <a:rPr lang="de-CH" dirty="0" smtClean="0"/>
+              <a:t>PHP5 ist eine Skriptsprache (C &amp; Perl angelehnte</a:t>
+            </a:r>
+            <a:r>
+              <a:rPr lang="de-CH" baseline="0" dirty="0" smtClean="0"/>
+              <a:t> Syntax) zum erstellen von dynamischen Webseiten oder Webanwendungen wie </a:t>
+            </a:r>
+            <a:r>
+              <a:rPr lang="de-CH" baseline="0" dirty="0" err="1" smtClean="0"/>
+              <a:t>FileSender</a:t>
+            </a:r>
+            <a:r>
+              <a:rPr lang="de-CH" baseline="0" dirty="0" smtClean="0"/>
+              <a:t>. </a:t>
+            </a:r>
+            <a:endParaRPr lang="de-CH" dirty="0" smtClean="0"/>
+          </a:p>
+          <a:p>
+            <a:r>
+              <a:rPr lang="de-CH" dirty="0" smtClean="0"/>
+              <a:t>[</a:t>
+            </a:r>
+            <a:r>
+              <a:rPr lang="de-CH" sz="1200" kern="1200" dirty="0" smtClean="0">
+                <a:solidFill>
+                  <a:schemeClr val="tx1"/>
+                </a:solidFill>
+                <a:effectLst/>
+                <a:latin typeface="+mn-lt"/>
+                <a:ea typeface="+mn-ea"/>
+                <a:cs typeface="+mn-cs"/>
+              </a:rPr>
+              <a:t>php5-ldap, php5-pgsql]</a:t>
+            </a:r>
+            <a:endParaRPr lang="de-CH" dirty="0" smtClean="0"/>
+          </a:p>
+          <a:p>
+            <a:endParaRPr lang="de-CH" dirty="0" smtClean="0"/>
+          </a:p>
+          <a:p>
+            <a:pPr marL="0" marR="0" indent="0" algn="l" defTabSz="914400" rtl="0" eaLnBrk="1" fontAlgn="auto" latinLnBrk="0" hangingPunct="1">
+              <a:lnSpc>
+                <a:spcPct val="100000"/>
+              </a:lnSpc>
+              <a:spcBef>
+                <a:spcPts val="0"/>
+              </a:spcBef>
+              <a:spcAft>
+                <a:spcPts val="0"/>
+              </a:spcAft>
+              <a:buClrTx/>
+              <a:buSzTx/>
+              <a:buFontTx/>
+              <a:buNone/>
+              <a:tabLst/>
+              <a:defRPr/>
+            </a:pPr>
             <a:r>
               <a:rPr lang="de-CH" dirty="0" err="1" smtClean="0"/>
               <a:t>PostgreSQL</a:t>
@@ -975,7 +1028,6 @@
               <a:rPr lang="de-CH" dirty="0" smtClean="0"/>
               <a:t> </a:t>
             </a:r>
-            <a:endParaRPr lang="de-CH" dirty="0" smtClean="0"/>
           </a:p>
           <a:p>
             <a:endParaRPr lang="de-CH" dirty="0" smtClean="0"/>
@@ -1036,6 +1088,9 @@
               <a:t>Autorisierungsdienste (die Kommunikation mit einem Dienst läuft über eine Zwischenstation, die die Berechtigung überprüft).</a:t>
             </a:r>
           </a:p>
+          <a:p>
+            <a:endParaRPr lang="de-CH" dirty="0"/>
+          </a:p>
         </p:txBody>
       </p:sp>
       <p:sp>
@@ -1056,6 +1111,270 @@
             <a:fld id="{AD07BCED-0FCF-4EC5-915A-1B3147A19E93}" type="slidenum">
               <a:rPr lang="de-CH" smtClean="0"/>
               <a:t>5</a:t>
+            </a:fld>
+            <a:endParaRPr lang="de-CH"/>
+          </a:p>
+        </p:txBody>
+      </p:sp>
+    </p:spTree>
+    <p:extLst>
+      <p:ext uri="{BB962C8B-B14F-4D97-AF65-F5344CB8AC3E}">
+        <p14:creationId xmlns:p14="http://schemas.microsoft.com/office/powerpoint/2010/main" val="2718824499"/>
+      </p:ext>
+    </p:extLst>
+  </p:cSld>
+  <p:clrMapOvr>
+    <a:masterClrMapping/>
+  </p:clrMapOvr>
+</p:notes>
+</file>
+
+<file path=ppt/notesSlides/notesSlide4.xml><?xml version="1.0" encoding="utf-8"?>
+<p:notes xmlns:a="http://schemas.openxmlformats.org/drawingml/2006/main" xmlns:r="http://schemas.openxmlformats.org/officeDocument/2006/relationships" xmlns:p="http://schemas.openxmlformats.org/presentationml/2006/main">
+  <p:cSld>
+    <p:spTree>
+      <p:nvGrpSpPr>
+        <p:cNvPr id="1" name=""/>
+        <p:cNvGrpSpPr/>
+        <p:nvPr/>
+      </p:nvGrpSpPr>
+      <p:grpSpPr>
+        <a:xfrm>
+          <a:off x="0" y="0"/>
+          <a:ext cx="0" cy="0"/>
+          <a:chOff x="0" y="0"/>
+          <a:chExt cx="0" cy="0"/>
+        </a:xfrm>
+      </p:grpSpPr>
+      <p:sp>
+        <p:nvSpPr>
+          <p:cNvPr id="2" name="Folienbildplatzhalter 1"/>
+          <p:cNvSpPr>
+            <a:spLocks noGrp="1" noRot="1" noChangeAspect="1"/>
+          </p:cNvSpPr>
+          <p:nvPr>
+            <p:ph type="sldImg"/>
+          </p:nvPr>
+        </p:nvSpPr>
+        <p:spPr/>
+      </p:sp>
+      <p:sp>
+        <p:nvSpPr>
+          <p:cNvPr id="3" name="Notizenplatzhalter 2"/>
+          <p:cNvSpPr>
+            <a:spLocks noGrp="1"/>
+          </p:cNvSpPr>
+          <p:nvPr>
+            <p:ph type="body" idx="1"/>
+          </p:nvPr>
+        </p:nvSpPr>
+        <p:spPr/>
+        <p:txBody>
+          <a:bodyPr/>
+          <a:lstStyle/>
+          <a:p>
+            <a:pPr marL="0" marR="0" indent="0" algn="l" defTabSz="914400" rtl="0" eaLnBrk="1" fontAlgn="auto" latinLnBrk="0" hangingPunct="1">
+              <a:lnSpc>
+                <a:spcPct val="100000"/>
+              </a:lnSpc>
+              <a:spcBef>
+                <a:spcPts val="0"/>
+              </a:spcBef>
+              <a:spcAft>
+                <a:spcPts val="0"/>
+              </a:spcAft>
+              <a:buClrTx/>
+              <a:buSzTx/>
+              <a:buFontTx/>
+              <a:buNone/>
+              <a:tabLst/>
+              <a:defRPr/>
+            </a:pPr>
+            <a:r>
+              <a:rPr lang="de-CH" dirty="0" smtClean="0"/>
+              <a:t>Apache2 benötigt</a:t>
+            </a:r>
+            <a:r>
+              <a:rPr lang="de-CH" baseline="0" dirty="0" smtClean="0"/>
+              <a:t> folgendes zusätzliches Modul </a:t>
+            </a:r>
+            <a:r>
+              <a:rPr lang="de-CH" dirty="0" smtClean="0"/>
+              <a:t>[libapache2-mod-php5]</a:t>
+            </a:r>
+          </a:p>
+          <a:p>
+            <a:endParaRPr lang="de-CH" dirty="0" smtClean="0"/>
+          </a:p>
+          <a:p>
+            <a:r>
+              <a:rPr lang="de-CH" dirty="0" smtClean="0"/>
+              <a:t>PHP5</a:t>
+            </a:r>
+            <a:r>
+              <a:rPr lang="de-CH" baseline="0" dirty="0" smtClean="0"/>
+              <a:t> braucht noch die </a:t>
+            </a:r>
+            <a:r>
+              <a:rPr lang="de-CH" baseline="0" dirty="0" err="1" smtClean="0"/>
+              <a:t>schnittstellen</a:t>
+            </a:r>
+            <a:r>
+              <a:rPr lang="de-CH" baseline="0" dirty="0" smtClean="0"/>
+              <a:t> zu </a:t>
+            </a:r>
+            <a:r>
+              <a:rPr lang="de-CH" baseline="0" dirty="0" err="1" smtClean="0"/>
+              <a:t>ldap</a:t>
+            </a:r>
+            <a:r>
+              <a:rPr lang="de-CH" baseline="0" dirty="0" smtClean="0"/>
+              <a:t>  und </a:t>
+            </a:r>
+            <a:r>
+              <a:rPr lang="de-CH" baseline="0" dirty="0" err="1" smtClean="0"/>
+              <a:t>postgreSQL</a:t>
+            </a:r>
+            <a:r>
+              <a:rPr lang="de-CH" baseline="0" dirty="0" smtClean="0"/>
+              <a:t> </a:t>
+            </a:r>
+            <a:r>
+              <a:rPr lang="de-CH" dirty="0" smtClean="0"/>
+              <a:t>[</a:t>
+            </a:r>
+            <a:r>
+              <a:rPr lang="de-CH" sz="1200" kern="1200" dirty="0" smtClean="0">
+                <a:solidFill>
+                  <a:schemeClr val="tx1"/>
+                </a:solidFill>
+                <a:effectLst/>
+                <a:latin typeface="+mn-lt"/>
+                <a:ea typeface="+mn-ea"/>
+                <a:cs typeface="+mn-cs"/>
+              </a:rPr>
+              <a:t>php5-ldap, php5-pgsql]</a:t>
+            </a:r>
+            <a:endParaRPr lang="de-CH" dirty="0" smtClean="0"/>
+          </a:p>
+          <a:p>
+            <a:endParaRPr lang="de-CH" dirty="0" smtClean="0"/>
+          </a:p>
+          <a:p>
+            <a:pPr marL="0" marR="0" indent="0" algn="l" defTabSz="914400" rtl="0" eaLnBrk="1" fontAlgn="auto" latinLnBrk="0" hangingPunct="1">
+              <a:lnSpc>
+                <a:spcPct val="100000"/>
+              </a:lnSpc>
+              <a:spcBef>
+                <a:spcPts val="0"/>
+              </a:spcBef>
+              <a:spcAft>
+                <a:spcPts val="0"/>
+              </a:spcAft>
+              <a:buClrTx/>
+              <a:buSzTx/>
+              <a:buFontTx/>
+              <a:buNone/>
+              <a:tabLst/>
+              <a:defRPr/>
+            </a:pPr>
+            <a:r>
+              <a:rPr lang="de-CH" dirty="0" err="1" smtClean="0"/>
+              <a:t>PostgreSQL</a:t>
+            </a:r>
+            <a:r>
+              <a:rPr lang="de-CH" dirty="0" smtClean="0"/>
+              <a:t> ist ein objektrelationales Datenbankmanagementsystem und ist der Standard Datenbank beim </a:t>
+            </a:r>
+            <a:r>
+              <a:rPr lang="de-CH" dirty="0" err="1" smtClean="0"/>
+              <a:t>FileSender</a:t>
+            </a:r>
+            <a:r>
+              <a:rPr lang="de-CH" dirty="0" smtClean="0"/>
+              <a:t> </a:t>
+            </a:r>
+            <a:endParaRPr lang="de-CH" dirty="0" smtClean="0"/>
+          </a:p>
+          <a:p>
+            <a:endParaRPr lang="de-CH" dirty="0" smtClean="0"/>
+          </a:p>
+          <a:p>
+            <a:r>
+              <a:rPr lang="de-CH" dirty="0" err="1" smtClean="0"/>
+              <a:t>SimpleSAMLphp</a:t>
+            </a:r>
+            <a:r>
+              <a:rPr lang="de-CH" dirty="0" smtClean="0"/>
+              <a:t> (1.10) </a:t>
+            </a:r>
+            <a:r>
+              <a:rPr lang="de-CH" b="1" dirty="0" smtClean="0"/>
+              <a:t>Security Assertion Markup Language </a:t>
+            </a:r>
+            <a:r>
+              <a:rPr lang="de-CH" dirty="0" smtClean="0"/>
+              <a:t>ist ein XML-Framework zum Austausch von Authentifizierungs- und Autorisierungsinformationen.</a:t>
+            </a:r>
+          </a:p>
+          <a:p>
+            <a:pPr marL="171450" indent="-171450">
+              <a:buFont typeface="Arial" pitchFamily="34" charset="0"/>
+              <a:buChar char="•"/>
+            </a:pPr>
+            <a:r>
+              <a:rPr lang="de-CH" dirty="0" smtClean="0"/>
+              <a:t>Single-Signe-On</a:t>
+            </a:r>
+            <a:r>
+              <a:rPr lang="de-CH" baseline="0" dirty="0" smtClean="0"/>
+              <a:t> </a:t>
+            </a:r>
+            <a:r>
+              <a:rPr lang="de-CH" dirty="0" smtClean="0"/>
+              <a:t>(ein Benutzer ist nach der Anmeldung an einer Webanwendung automatisch auch zur Benutzung weiterer Anwendungen berechtigt).</a:t>
+            </a:r>
+          </a:p>
+          <a:p>
+            <a:pPr marL="171450" indent="-171450">
+              <a:buFont typeface="Arial" pitchFamily="34" charset="0"/>
+              <a:buChar char="•"/>
+            </a:pPr>
+            <a:r>
+              <a:rPr lang="de-CH" dirty="0" smtClean="0"/>
+              <a:t>Verteilte Transaktionen (mehrere Benutzer arbeiten gemeinsam an einer Transaktion und teilen sich die Sicherheitsinformationen).</a:t>
+            </a:r>
+          </a:p>
+          <a:p>
+            <a:pPr marL="171450" indent="-171450">
+              <a:buFont typeface="Arial" pitchFamily="34" charset="0"/>
+              <a:buChar char="•"/>
+            </a:pPr>
+            <a:r>
+              <a:rPr lang="de-CH" dirty="0" smtClean="0"/>
+              <a:t>Autorisierungsdienste (die Kommunikation mit einem Dienst läuft über eine Zwischenstation, die die Berechtigung überprüft).</a:t>
+            </a:r>
+          </a:p>
+        </p:txBody>
+      </p:sp>
+      <p:sp>
+        <p:nvSpPr>
+          <p:cNvPr id="4" name="Foliennummernplatzhalter 3"/>
+          <p:cNvSpPr>
+            <a:spLocks noGrp="1"/>
+          </p:cNvSpPr>
+          <p:nvPr>
+            <p:ph type="sldNum" sz="quarter" idx="10"/>
+          </p:nvPr>
+        </p:nvSpPr>
+        <p:spPr/>
+        <p:txBody>
+          <a:bodyPr/>
+          <a:lstStyle/>
+          <a:p>
+            <a:fld id="{AD07BCED-0FCF-4EC5-915A-1B3147A19E93}" type="slidenum">
+              <a:rPr lang="de-CH" smtClean="0"/>
+              <a:t>6</a:t>
             </a:fld>
             <a:endParaRPr lang="de-CH"/>
           </a:p>
@@ -6385,72 +6704,6 @@
       </p:grpSpPr>
       <p:sp>
         <p:nvSpPr>
-          <p:cNvPr id="2" name="Inhaltsplatzhalter 1"/>
-          <p:cNvSpPr>
-            <a:spLocks noGrp="1"/>
-          </p:cNvSpPr>
-          <p:nvPr>
-            <p:ph idx="1"/>
-          </p:nvPr>
-        </p:nvSpPr>
-        <p:spPr/>
-        <p:txBody>
-          <a:bodyPr>
-            <a:normAutofit lnSpcReduction="10000"/>
-          </a:bodyPr>
-          <a:lstStyle/>
-          <a:p>
-            <a:endParaRPr lang="de-CH" dirty="0" smtClean="0"/>
-          </a:p>
-          <a:p>
-            <a:r>
-              <a:rPr lang="de-CH" dirty="0"/>
-              <a:t>Apache2</a:t>
-            </a:r>
-          </a:p>
-          <a:p>
-            <a:endParaRPr lang="de-CH" dirty="0" smtClean="0"/>
-          </a:p>
-          <a:p>
-            <a:r>
-              <a:rPr lang="de-CH" dirty="0" smtClean="0"/>
-              <a:t>PHP5</a:t>
-            </a:r>
-          </a:p>
-          <a:p>
-            <a:endParaRPr lang="de-CH" dirty="0" smtClean="0"/>
-          </a:p>
-          <a:p>
-            <a:r>
-              <a:rPr lang="de-CH" dirty="0" err="1" smtClean="0"/>
-              <a:t>PostgreSQL</a:t>
-            </a:r>
-            <a:endParaRPr lang="de-CH" dirty="0" smtClean="0"/>
-          </a:p>
-          <a:p>
-            <a:endParaRPr lang="de-CH" dirty="0" smtClean="0"/>
-          </a:p>
-          <a:p>
-            <a:r>
-              <a:rPr lang="de-CH" dirty="0" err="1" smtClean="0"/>
-              <a:t>SimpleSAMLphp</a:t>
-            </a:r>
-            <a:endParaRPr lang="de-CH" dirty="0"/>
-          </a:p>
-          <a:p>
-            <a:endParaRPr lang="de-CH" dirty="0"/>
-          </a:p>
-          <a:p>
-            <a:r>
-              <a:rPr lang="de-CH" dirty="0" err="1" smtClean="0"/>
-              <a:t>FileSender</a:t>
-            </a:r>
-            <a:endParaRPr lang="de-CH" dirty="0"/>
-          </a:p>
-        </p:txBody>
-      </p:sp>
-      <p:sp>
-        <p:nvSpPr>
           <p:cNvPr id="3" name="Titel 2"/>
           <p:cNvSpPr>
             <a:spLocks noGrp="1"/>
@@ -6466,16 +6719,201 @@
           <a:p>
             <a:r>
               <a:rPr lang="de-CH" dirty="0" smtClean="0"/>
-              <a:t>Installation</a:t>
+              <a:t>Benötigte Software</a:t>
             </a:r>
             <a:endParaRPr lang="de-CH" dirty="0"/>
           </a:p>
         </p:txBody>
       </p:sp>
+      <p:pic>
+        <p:nvPicPr>
+          <p:cNvPr id="5" name="Grafik 4"/>
+          <p:cNvPicPr>
+            <a:picLocks noChangeAspect="1"/>
+          </p:cNvPicPr>
+          <p:nvPr/>
+        </p:nvPicPr>
+        <p:blipFill>
+          <a:blip r:embed="rId3" cstate="print">
+            <a:extLst>
+              <a:ext uri="{28A0092B-C50C-407E-A947-70E740481C1C}">
+                <a14:useLocalDpi xmlns:a14="http://schemas.microsoft.com/office/drawing/2010/main" val="0"/>
+              </a:ext>
+            </a:extLst>
+          </a:blip>
+          <a:stretch>
+            <a:fillRect/>
+          </a:stretch>
+        </p:blipFill>
+        <p:spPr>
+          <a:xfrm>
+            <a:off x="6948264" y="3306737"/>
+            <a:ext cx="1133383" cy="595940"/>
+          </a:xfrm>
+          <a:prstGeom prst="rect">
+            <a:avLst/>
+          </a:prstGeom>
+        </p:spPr>
+      </p:pic>
+      <p:pic>
+        <p:nvPicPr>
+          <p:cNvPr id="6" name="Grafik 5"/>
+          <p:cNvPicPr>
+            <a:picLocks noChangeAspect="1"/>
+          </p:cNvPicPr>
+          <p:nvPr/>
+        </p:nvPicPr>
+        <p:blipFill>
+          <a:blip r:embed="rId4">
+            <a:extLst>
+              <a:ext uri="{28A0092B-C50C-407E-A947-70E740481C1C}">
+                <a14:useLocalDpi xmlns:a14="http://schemas.microsoft.com/office/drawing/2010/main" val="0"/>
+              </a:ext>
+            </a:extLst>
+          </a:blip>
+          <a:stretch>
+            <a:fillRect/>
+          </a:stretch>
+        </p:blipFill>
+        <p:spPr>
+          <a:xfrm>
+            <a:off x="5076056" y="4623538"/>
+            <a:ext cx="2281941" cy="648072"/>
+          </a:xfrm>
+          <a:prstGeom prst="rect">
+            <a:avLst/>
+          </a:prstGeom>
+        </p:spPr>
+      </p:pic>
+      <p:pic>
+        <p:nvPicPr>
+          <p:cNvPr id="7" name="Grafik 6"/>
+          <p:cNvPicPr>
+            <a:picLocks noChangeAspect="1"/>
+          </p:cNvPicPr>
+          <p:nvPr/>
+        </p:nvPicPr>
+        <p:blipFill>
+          <a:blip r:embed="rId5">
+            <a:extLst>
+              <a:ext uri="{28A0092B-C50C-407E-A947-70E740481C1C}">
+                <a14:useLocalDpi xmlns:a14="http://schemas.microsoft.com/office/drawing/2010/main" val="0"/>
+              </a:ext>
+            </a:extLst>
+          </a:blip>
+          <a:stretch>
+            <a:fillRect/>
+          </a:stretch>
+        </p:blipFill>
+        <p:spPr>
+          <a:xfrm>
+            <a:off x="1426262" y="4509120"/>
+            <a:ext cx="2046122" cy="876909"/>
+          </a:xfrm>
+          <a:prstGeom prst="rect">
+            <a:avLst/>
+          </a:prstGeom>
+        </p:spPr>
+      </p:pic>
+      <p:pic>
+        <p:nvPicPr>
+          <p:cNvPr id="8" name="Grafik 7"/>
+          <p:cNvPicPr>
+            <a:picLocks noChangeAspect="1"/>
+          </p:cNvPicPr>
+          <p:nvPr/>
+        </p:nvPicPr>
+        <p:blipFill>
+          <a:blip r:embed="rId6">
+            <a:extLst>
+              <a:ext uri="{28A0092B-C50C-407E-A947-70E740481C1C}">
+                <a14:useLocalDpi xmlns:a14="http://schemas.microsoft.com/office/drawing/2010/main" val="0"/>
+              </a:ext>
+            </a:extLst>
+          </a:blip>
+          <a:stretch>
+            <a:fillRect/>
+          </a:stretch>
+        </p:blipFill>
+        <p:spPr>
+          <a:xfrm>
+            <a:off x="3209762" y="3189146"/>
+            <a:ext cx="3067478" cy="714475"/>
+          </a:xfrm>
+          <a:prstGeom prst="rect">
+            <a:avLst/>
+          </a:prstGeom>
+          <a:ln>
+            <a:solidFill>
+              <a:schemeClr val="bg1"/>
+            </a:solidFill>
+          </a:ln>
+        </p:spPr>
+      </p:pic>
+      <p:pic>
+        <p:nvPicPr>
+          <p:cNvPr id="9" name="Grafik 8"/>
+          <p:cNvPicPr>
+            <a:picLocks noChangeAspect="1"/>
+          </p:cNvPicPr>
+          <p:nvPr/>
+        </p:nvPicPr>
+        <p:blipFill>
+          <a:blip r:embed="rId7">
+            <a:extLst>
+              <a:ext uri="{28A0092B-C50C-407E-A947-70E740481C1C}">
+                <a14:useLocalDpi xmlns:a14="http://schemas.microsoft.com/office/drawing/2010/main" val="0"/>
+              </a:ext>
+            </a:extLst>
+          </a:blip>
+          <a:stretch>
+            <a:fillRect/>
+          </a:stretch>
+        </p:blipFill>
+        <p:spPr>
+          <a:xfrm>
+            <a:off x="2699792" y="1104724"/>
+            <a:ext cx="3366892" cy="1627773"/>
+          </a:xfrm>
+          <a:prstGeom prst="rect">
+            <a:avLst/>
+          </a:prstGeom>
+        </p:spPr>
+      </p:pic>
+      <p:pic>
+        <p:nvPicPr>
+          <p:cNvPr id="10" name="Grafik 9"/>
+          <p:cNvPicPr>
+            <a:picLocks noChangeAspect="1"/>
+          </p:cNvPicPr>
+          <p:nvPr/>
+        </p:nvPicPr>
+        <p:blipFill>
+          <a:blip r:embed="rId8" cstate="print">
+            <a:extLst>
+              <a:ext uri="{28A0092B-C50C-407E-A947-70E740481C1C}">
+                <a14:useLocalDpi xmlns:a14="http://schemas.microsoft.com/office/drawing/2010/main" val="0"/>
+              </a:ext>
+            </a:extLst>
+          </a:blip>
+          <a:stretch>
+            <a:fillRect/>
+          </a:stretch>
+        </p:blipFill>
+        <p:spPr>
+          <a:xfrm>
+            <a:off x="342688" y="2933606"/>
+            <a:ext cx="2106635" cy="970015"/>
+          </a:xfrm>
+          <a:prstGeom prst="rect">
+            <a:avLst/>
+          </a:prstGeom>
+        </p:spPr>
+      </p:pic>
     </p:spTree>
     <p:extLst>
       <p:ext uri="{BB962C8B-B14F-4D97-AF65-F5344CB8AC3E}">
-        <p14:creationId xmlns:p14="http://schemas.microsoft.com/office/powerpoint/2010/main" val="763692090"/>
+        <p14:creationId xmlns:p14="http://schemas.microsoft.com/office/powerpoint/2010/main" val="103117613"/>
       </p:ext>
     </p:extLst>
   </p:cSld>
@@ -6511,6 +6949,72 @@
       </p:grpSpPr>
       <p:sp>
         <p:nvSpPr>
+          <p:cNvPr id="2" name="Inhaltsplatzhalter 1"/>
+          <p:cNvSpPr>
+            <a:spLocks noGrp="1"/>
+          </p:cNvSpPr>
+          <p:nvPr>
+            <p:ph idx="1"/>
+          </p:nvPr>
+        </p:nvSpPr>
+        <p:spPr/>
+        <p:txBody>
+          <a:bodyPr>
+            <a:normAutofit lnSpcReduction="10000"/>
+          </a:bodyPr>
+          <a:lstStyle/>
+          <a:p>
+            <a:endParaRPr lang="de-CH" dirty="0" smtClean="0"/>
+          </a:p>
+          <a:p>
+            <a:r>
+              <a:rPr lang="de-CH" dirty="0"/>
+              <a:t>Apache2</a:t>
+            </a:r>
+          </a:p>
+          <a:p>
+            <a:endParaRPr lang="de-CH" dirty="0" smtClean="0"/>
+          </a:p>
+          <a:p>
+            <a:r>
+              <a:rPr lang="de-CH" dirty="0" smtClean="0"/>
+              <a:t>PHP5</a:t>
+            </a:r>
+          </a:p>
+          <a:p>
+            <a:endParaRPr lang="de-CH" dirty="0" smtClean="0"/>
+          </a:p>
+          <a:p>
+            <a:r>
+              <a:rPr lang="de-CH" dirty="0" err="1" smtClean="0"/>
+              <a:t>PostgreSQL</a:t>
+            </a:r>
+            <a:endParaRPr lang="de-CH" dirty="0" smtClean="0"/>
+          </a:p>
+          <a:p>
+            <a:endParaRPr lang="de-CH" dirty="0" smtClean="0"/>
+          </a:p>
+          <a:p>
+            <a:r>
+              <a:rPr lang="de-CH" dirty="0" err="1" smtClean="0"/>
+              <a:t>SimpleSAMLphp</a:t>
+            </a:r>
+            <a:endParaRPr lang="de-CH" dirty="0"/>
+          </a:p>
+          <a:p>
+            <a:endParaRPr lang="de-CH" dirty="0"/>
+          </a:p>
+          <a:p>
+            <a:r>
+              <a:rPr lang="de-CH" dirty="0" err="1" smtClean="0"/>
+              <a:t>FileSender</a:t>
+            </a:r>
+            <a:endParaRPr lang="de-CH" dirty="0"/>
+          </a:p>
+        </p:txBody>
+      </p:sp>
+      <p:sp>
+        <p:nvSpPr>
           <p:cNvPr id="3" name="Titel 2"/>
           <p:cNvSpPr>
             <a:spLocks noGrp="1"/>
@@ -6524,164 +7028,18 @@
           <a:bodyPr/>
           <a:lstStyle/>
           <a:p>
-            <a:endParaRPr lang="de-CH"/>
-          </a:p>
-        </p:txBody>
-      </p:sp>
-      <p:pic>
-        <p:nvPicPr>
-          <p:cNvPr id="4" name="Grafik 3"/>
-          <p:cNvPicPr>
-            <a:picLocks noChangeAspect="1"/>
-          </p:cNvPicPr>
-          <p:nvPr/>
-        </p:nvPicPr>
-        <p:blipFill>
-          <a:blip r:embed="rId2" cstate="print">
-            <a:extLst>
-              <a:ext uri="{28A0092B-C50C-407E-A947-70E740481C1C}">
-                <a14:useLocalDpi xmlns:a14="http://schemas.microsoft.com/office/drawing/2010/main" val="0"/>
-              </a:ext>
-            </a:extLst>
-          </a:blip>
-          <a:stretch>
-            <a:fillRect/>
-          </a:stretch>
-        </p:blipFill>
-        <p:spPr>
-          <a:xfrm>
-            <a:off x="611560" y="2010060"/>
-            <a:ext cx="1691816" cy="1268862"/>
-          </a:xfrm>
-          <a:prstGeom prst="rect">
-            <a:avLst/>
-          </a:prstGeom>
-        </p:spPr>
-      </p:pic>
-      <p:pic>
-        <p:nvPicPr>
-          <p:cNvPr id="5" name="Grafik 4"/>
-          <p:cNvPicPr>
-            <a:picLocks noChangeAspect="1"/>
-          </p:cNvPicPr>
-          <p:nvPr/>
-        </p:nvPicPr>
-        <p:blipFill>
-          <a:blip r:embed="rId3" cstate="print">
-            <a:extLst>
-              <a:ext uri="{28A0092B-C50C-407E-A947-70E740481C1C}">
-                <a14:useLocalDpi xmlns:a14="http://schemas.microsoft.com/office/drawing/2010/main" val="0"/>
-              </a:ext>
-            </a:extLst>
-          </a:blip>
-          <a:stretch>
-            <a:fillRect/>
-          </a:stretch>
-        </p:blipFill>
-        <p:spPr>
-          <a:xfrm>
-            <a:off x="3551149" y="2346521"/>
-            <a:ext cx="1133383" cy="595940"/>
-          </a:xfrm>
-          <a:prstGeom prst="rect">
-            <a:avLst/>
-          </a:prstGeom>
-        </p:spPr>
-      </p:pic>
-      <p:pic>
-        <p:nvPicPr>
-          <p:cNvPr id="6" name="Grafik 5"/>
-          <p:cNvPicPr>
-            <a:picLocks noChangeAspect="1"/>
-          </p:cNvPicPr>
-          <p:nvPr/>
-        </p:nvPicPr>
-        <p:blipFill>
-          <a:blip r:embed="rId4">
-            <a:extLst>
-              <a:ext uri="{28A0092B-C50C-407E-A947-70E740481C1C}">
-                <a14:useLocalDpi xmlns:a14="http://schemas.microsoft.com/office/drawing/2010/main" val="0"/>
-              </a:ext>
-            </a:extLst>
-          </a:blip>
-          <a:stretch>
-            <a:fillRect/>
-          </a:stretch>
-        </p:blipFill>
-        <p:spPr>
-          <a:xfrm>
-            <a:off x="5868144" y="2384884"/>
-            <a:ext cx="2281941" cy="648072"/>
-          </a:xfrm>
-          <a:prstGeom prst="rect">
-            <a:avLst/>
-          </a:prstGeom>
-        </p:spPr>
-      </p:pic>
-      <p:pic>
-        <p:nvPicPr>
-          <p:cNvPr id="7" name="Grafik 6"/>
-          <p:cNvPicPr>
-            <a:picLocks noChangeAspect="1"/>
-          </p:cNvPicPr>
-          <p:nvPr/>
-        </p:nvPicPr>
-        <p:blipFill>
-          <a:blip r:embed="rId5">
-            <a:extLst>
-              <a:ext uri="{28A0092B-C50C-407E-A947-70E740481C1C}">
-                <a14:useLocalDpi xmlns:a14="http://schemas.microsoft.com/office/drawing/2010/main" val="0"/>
-              </a:ext>
-            </a:extLst>
-          </a:blip>
-          <a:stretch>
-            <a:fillRect/>
-          </a:stretch>
-        </p:blipFill>
-        <p:spPr>
-          <a:xfrm>
-            <a:off x="1528678" y="4023053"/>
-            <a:ext cx="2046122" cy="876909"/>
-          </a:xfrm>
-          <a:prstGeom prst="rect">
-            <a:avLst/>
-          </a:prstGeom>
-        </p:spPr>
-      </p:pic>
-      <p:pic>
-        <p:nvPicPr>
-          <p:cNvPr id="8" name="Grafik 7"/>
-          <p:cNvPicPr>
-            <a:picLocks noChangeAspect="1"/>
-          </p:cNvPicPr>
-          <p:nvPr/>
-        </p:nvPicPr>
-        <p:blipFill>
-          <a:blip r:embed="rId6">
-            <a:extLst>
-              <a:ext uri="{28A0092B-C50C-407E-A947-70E740481C1C}">
-                <a14:useLocalDpi xmlns:a14="http://schemas.microsoft.com/office/drawing/2010/main" val="0"/>
-              </a:ext>
-            </a:extLst>
-          </a:blip>
-          <a:stretch>
-            <a:fillRect/>
-          </a:stretch>
-        </p:blipFill>
-        <p:spPr>
-          <a:xfrm>
-            <a:off x="4684532" y="4023053"/>
-            <a:ext cx="3067478" cy="714475"/>
-          </a:xfrm>
-          <a:prstGeom prst="rect">
-            <a:avLst/>
-          </a:prstGeom>
-        </p:spPr>
-      </p:pic>
+            <a:r>
+              <a:rPr lang="de-CH" dirty="0" smtClean="0"/>
+              <a:t>Installation</a:t>
+            </a:r>
+            <a:endParaRPr lang="de-CH" dirty="0"/>
+          </a:p>
+        </p:txBody>
+      </p:sp>
     </p:spTree>
     <p:extLst>
       <p:ext uri="{BB962C8B-B14F-4D97-AF65-F5344CB8AC3E}">
-        <p14:creationId xmlns:p14="http://schemas.microsoft.com/office/powerpoint/2010/main" val="103117613"/>
+        <p14:creationId xmlns:p14="http://schemas.microsoft.com/office/powerpoint/2010/main" val="763692090"/>
       </p:ext>
     </p:extLst>
   </p:cSld>
@@ -6727,10 +7085,118 @@
         </p:nvSpPr>
         <p:spPr/>
         <p:txBody>
-          <a:bodyPr/>
+          <a:bodyPr>
+            <a:normAutofit fontScale="92500" lnSpcReduction="10000"/>
+          </a:bodyPr>
           <a:lstStyle/>
           <a:p>
-            <a:endParaRPr lang="de-CH" dirty="0"/>
+            <a:r>
+              <a:rPr lang="de-CH" dirty="0" smtClean="0"/>
+              <a:t>Apache2</a:t>
+            </a:r>
+          </a:p>
+          <a:p>
+            <a:pPr lvl="1"/>
+            <a:r>
+              <a:rPr lang="de-CH" dirty="0" smtClean="0"/>
+              <a:t>SSL Eingerichten</a:t>
+            </a:r>
+          </a:p>
+          <a:p>
+            <a:r>
+              <a:rPr lang="de-CH" dirty="0" smtClean="0"/>
+              <a:t>PHP5</a:t>
+            </a:r>
+          </a:p>
+          <a:p>
+            <a:pPr lvl="1"/>
+            <a:r>
+              <a:rPr lang="de-CH" dirty="0" smtClean="0"/>
+              <a:t>Upload Einstellungen anpassen</a:t>
+            </a:r>
+          </a:p>
+          <a:p>
+            <a:r>
+              <a:rPr lang="de-CH" dirty="0" err="1" smtClean="0"/>
+              <a:t>PostgreSQL</a:t>
+            </a:r>
+            <a:endParaRPr lang="de-CH" dirty="0" smtClean="0"/>
+          </a:p>
+          <a:p>
+            <a:pPr lvl="1"/>
+            <a:r>
+              <a:rPr lang="de-CH" dirty="0" smtClean="0"/>
+              <a:t>Benutzer und Datenbank erstellen</a:t>
+            </a:r>
+          </a:p>
+          <a:p>
+            <a:r>
+              <a:rPr lang="de-CH" dirty="0" err="1" smtClean="0"/>
+              <a:t>SimpleSAMLphp</a:t>
+            </a:r>
+            <a:endParaRPr lang="de-CH" dirty="0" smtClean="0"/>
+          </a:p>
+          <a:p>
+            <a:pPr lvl="1"/>
+            <a:r>
+              <a:rPr lang="de-CH" dirty="0" smtClean="0"/>
+              <a:t>Mit dem </a:t>
+            </a:r>
+            <a:r>
+              <a:rPr lang="de-CH" dirty="0" err="1" smtClean="0"/>
+              <a:t>ZHdK-ldap</a:t>
+            </a:r>
+            <a:r>
+              <a:rPr lang="de-CH" dirty="0" smtClean="0"/>
+              <a:t> verbinden</a:t>
+            </a:r>
+          </a:p>
+          <a:p>
+            <a:r>
+              <a:rPr lang="de-CH" dirty="0" err="1" smtClean="0"/>
+              <a:t>FileSender</a:t>
+            </a:r>
+            <a:endParaRPr lang="de-CH" dirty="0" smtClean="0"/>
+          </a:p>
+          <a:p>
+            <a:pPr lvl="1"/>
+            <a:r>
+              <a:rPr lang="de-CH" dirty="0" smtClean="0"/>
+              <a:t>NFS-Storage einbinden</a:t>
+            </a:r>
+          </a:p>
+          <a:p>
+            <a:pPr lvl="1"/>
+            <a:r>
+              <a:rPr lang="de-CH" dirty="0" smtClean="0"/>
+              <a:t>SSL einrichten</a:t>
+            </a:r>
+          </a:p>
+          <a:p>
+            <a:pPr lvl="1"/>
+            <a:r>
+              <a:rPr lang="de-CH" dirty="0" smtClean="0"/>
+              <a:t>Mit </a:t>
+            </a:r>
+            <a:r>
+              <a:rPr lang="de-CH" dirty="0" err="1" smtClean="0"/>
+              <a:t>PostgreSQL</a:t>
+            </a:r>
+            <a:r>
+              <a:rPr lang="de-CH" dirty="0" smtClean="0"/>
+              <a:t> und </a:t>
+            </a:r>
+            <a:r>
+              <a:rPr lang="de-CH" dirty="0" err="1" smtClean="0"/>
+              <a:t>SimpleSAMLphp</a:t>
+            </a:r>
+            <a:r>
+              <a:rPr lang="de-CH" dirty="0" smtClean="0"/>
+              <a:t> verbinden</a:t>
+            </a:r>
+          </a:p>
+          <a:p>
+            <a:endParaRPr lang="de-CH" dirty="0" smtClean="0"/>
           </a:p>
         </p:txBody>
       </p:sp>
